--- a/helicopter.pptx
+++ b/helicopter.pptx
@@ -6,6 +6,7 @@
   </p:sldMasterIdLst>
   <p:sldIdLst>
     <p:sldId id="256" r:id="rId2"/>
+    <p:sldId id="257" r:id="rId3"/>
   </p:sldIdLst>
   <p:sldSz cx="9144000" cy="6858000" type="screen4x3"/>
   <p:notesSz cx="6858000" cy="9144000"/>
@@ -3095,10 +3096,562 @@
           <a:chExt cx="0" cy="0"/>
         </a:xfrm>
       </p:grpSpPr>
+      <p:grpSp>
+        <p:nvGrpSpPr>
+          <p:cNvPr id="8" name="Group 7"/>
+          <p:cNvGrpSpPr/>
+          <p:nvPr/>
+        </p:nvGrpSpPr>
+        <p:grpSpPr>
+          <a:xfrm rot="1468197">
+            <a:off x="2406899" y="1816493"/>
+            <a:ext cx="3607698" cy="2924111"/>
+            <a:chOff x="2406899" y="1816493"/>
+            <a:chExt cx="3607698" cy="2924111"/>
+          </a:xfrm>
+        </p:grpSpPr>
+        <p:sp>
+          <p:nvSpPr>
+            <p:cNvPr id="5" name="Oval 4"/>
+            <p:cNvSpPr/>
+            <p:nvPr/>
+          </p:nvSpPr>
+          <p:spPr>
+            <a:xfrm>
+              <a:off x="2406899" y="1993711"/>
+              <a:ext cx="1609521" cy="531021"/>
+            </a:xfrm>
+            <a:prstGeom prst="ellipse">
+              <a:avLst/>
+            </a:prstGeom>
+            <a:gradFill>
+              <a:gsLst>
+                <a:gs pos="0">
+                  <a:schemeClr val="tx1"/>
+                </a:gs>
+                <a:gs pos="100000">
+                  <a:schemeClr val="accent1">
+                    <a:tint val="50000"/>
+                    <a:shade val="100000"/>
+                    <a:satMod val="350000"/>
+                  </a:schemeClr>
+                </a:gs>
+              </a:gsLst>
+              <a:lin ang="8220000" scaled="0"/>
+            </a:gradFill>
+          </p:spPr>
+          <p:style>
+            <a:lnRef idx="1">
+              <a:schemeClr val="accent1"/>
+            </a:lnRef>
+            <a:fillRef idx="3">
+              <a:schemeClr val="accent1"/>
+            </a:fillRef>
+            <a:effectRef idx="2">
+              <a:schemeClr val="accent1"/>
+            </a:effectRef>
+            <a:fontRef idx="minor">
+              <a:schemeClr val="lt1"/>
+            </a:fontRef>
+          </p:style>
+          <p:txBody>
+            <a:bodyPr rtlCol="0" anchor="ctr"/>
+            <a:lstStyle/>
+            <a:p>
+              <a:pPr algn="ctr"/>
+              <a:endParaRPr lang="en-US"/>
+            </a:p>
+          </p:txBody>
+        </p:sp>
+        <p:sp>
+          <p:nvSpPr>
+            <p:cNvPr id="6" name="Oval 5"/>
+            <p:cNvSpPr/>
+            <p:nvPr/>
+          </p:nvSpPr>
+          <p:spPr>
+            <a:xfrm>
+              <a:off x="4405076" y="1998429"/>
+              <a:ext cx="1609521" cy="483836"/>
+            </a:xfrm>
+            <a:prstGeom prst="ellipse">
+              <a:avLst/>
+            </a:prstGeom>
+            <a:gradFill>
+              <a:gsLst>
+                <a:gs pos="0">
+                  <a:schemeClr val="tx1"/>
+                </a:gs>
+                <a:gs pos="100000">
+                  <a:schemeClr val="accent1">
+                    <a:tint val="50000"/>
+                    <a:shade val="100000"/>
+                    <a:satMod val="350000"/>
+                  </a:schemeClr>
+                </a:gs>
+              </a:gsLst>
+              <a:lin ang="8220000" scaled="0"/>
+            </a:gradFill>
+          </p:spPr>
+          <p:style>
+            <a:lnRef idx="1">
+              <a:schemeClr val="accent1"/>
+            </a:lnRef>
+            <a:fillRef idx="3">
+              <a:schemeClr val="accent1"/>
+            </a:fillRef>
+            <a:effectRef idx="2">
+              <a:schemeClr val="accent1"/>
+            </a:effectRef>
+            <a:fontRef idx="minor">
+              <a:schemeClr val="lt1"/>
+            </a:fontRef>
+          </p:style>
+          <p:txBody>
+            <a:bodyPr rtlCol="0" anchor="ctr"/>
+            <a:lstStyle/>
+            <a:p>
+              <a:pPr algn="ctr"/>
+              <a:endParaRPr lang="en-US"/>
+            </a:p>
+          </p:txBody>
+        </p:sp>
+        <p:sp>
+          <p:nvSpPr>
+            <p:cNvPr id="7" name="Can 6"/>
+            <p:cNvSpPr/>
+            <p:nvPr/>
+          </p:nvSpPr>
+          <p:spPr>
+            <a:xfrm>
+              <a:off x="4050690" y="1816493"/>
+              <a:ext cx="310091" cy="2924111"/>
+            </a:xfrm>
+            <a:prstGeom prst="can">
+              <a:avLst/>
+            </a:prstGeom>
+            <a:gradFill>
+              <a:gsLst>
+                <a:gs pos="0">
+                  <a:schemeClr val="tx1"/>
+                </a:gs>
+                <a:gs pos="100000">
+                  <a:schemeClr val="accent1">
+                    <a:tint val="50000"/>
+                    <a:shade val="100000"/>
+                    <a:satMod val="350000"/>
+                  </a:schemeClr>
+                </a:gs>
+              </a:gsLst>
+              <a:lin ang="8220000" scaled="0"/>
+            </a:gradFill>
+          </p:spPr>
+          <p:style>
+            <a:lnRef idx="1">
+              <a:schemeClr val="accent1"/>
+            </a:lnRef>
+            <a:fillRef idx="3">
+              <a:schemeClr val="accent1"/>
+            </a:fillRef>
+            <a:effectRef idx="2">
+              <a:schemeClr val="accent1"/>
+            </a:effectRef>
+            <a:fontRef idx="minor">
+              <a:schemeClr val="lt1"/>
+            </a:fontRef>
+          </p:style>
+          <p:txBody>
+            <a:bodyPr rtlCol="0" anchor="ctr"/>
+            <a:lstStyle/>
+            <a:p>
+              <a:pPr algn="ctr"/>
+              <a:endParaRPr lang="en-US"/>
+            </a:p>
+          </p:txBody>
+        </p:sp>
+      </p:grpSp>
     </p:spTree>
     <p:extLst>
       <p:ext uri="{BB962C8B-B14F-4D97-AF65-F5344CB8AC3E}">
         <p14:creationId xmlns:p14="http://schemas.microsoft.com/office/powerpoint/2010/main" val="3876885131"/>
+      </p:ext>
+    </p:extLst>
+  </p:cSld>
+  <p:clrMapOvr>
+    <a:masterClrMapping/>
+  </p:clrMapOvr>
+</p:sld>
+</file>
+
+<file path=ppt/slides/slide2.xml><?xml version="1.0" encoding="utf-8"?>
+<p:sld xmlns:a="http://schemas.openxmlformats.org/drawingml/2006/main" xmlns:r="http://schemas.openxmlformats.org/officeDocument/2006/relationships" xmlns:p="http://schemas.openxmlformats.org/presentationml/2006/main">
+  <p:cSld>
+    <p:spTree>
+      <p:nvGrpSpPr>
+        <p:cNvPr id="1" name=""/>
+        <p:cNvGrpSpPr/>
+        <p:nvPr/>
+      </p:nvGrpSpPr>
+      <p:grpSpPr>
+        <a:xfrm>
+          <a:off x="0" y="0"/>
+          <a:ext cx="0" cy="0"/>
+          <a:chOff x="0" y="0"/>
+          <a:chExt cx="0" cy="0"/>
+        </a:xfrm>
+      </p:grpSpPr>
+      <p:grpSp>
+        <p:nvGrpSpPr>
+          <p:cNvPr id="4" name="Group 3"/>
+          <p:cNvGrpSpPr/>
+          <p:nvPr/>
+        </p:nvGrpSpPr>
+        <p:grpSpPr>
+          <a:xfrm rot="1468197">
+            <a:off x="2795549" y="1900772"/>
+            <a:ext cx="3607698" cy="1047550"/>
+            <a:chOff x="2406899" y="1816494"/>
+            <a:chExt cx="3607698" cy="1047550"/>
+          </a:xfrm>
+        </p:grpSpPr>
+        <p:sp>
+          <p:nvSpPr>
+            <p:cNvPr id="5" name="Oval 4"/>
+            <p:cNvSpPr/>
+            <p:nvPr/>
+          </p:nvSpPr>
+          <p:spPr>
+            <a:xfrm>
+              <a:off x="2406899" y="1993711"/>
+              <a:ext cx="1609521" cy="531021"/>
+            </a:xfrm>
+            <a:prstGeom prst="ellipse">
+              <a:avLst/>
+            </a:prstGeom>
+            <a:gradFill>
+              <a:gsLst>
+                <a:gs pos="0">
+                  <a:schemeClr val="tx1"/>
+                </a:gs>
+                <a:gs pos="100000">
+                  <a:schemeClr val="accent1">
+                    <a:tint val="50000"/>
+                    <a:shade val="100000"/>
+                    <a:satMod val="350000"/>
+                  </a:schemeClr>
+                </a:gs>
+              </a:gsLst>
+              <a:lin ang="8220000" scaled="0"/>
+            </a:gradFill>
+          </p:spPr>
+          <p:style>
+            <a:lnRef idx="1">
+              <a:schemeClr val="accent1"/>
+            </a:lnRef>
+            <a:fillRef idx="3">
+              <a:schemeClr val="accent1"/>
+            </a:fillRef>
+            <a:effectRef idx="2">
+              <a:schemeClr val="accent1"/>
+            </a:effectRef>
+            <a:fontRef idx="minor">
+              <a:schemeClr val="lt1"/>
+            </a:fontRef>
+          </p:style>
+          <p:txBody>
+            <a:bodyPr rtlCol="0" anchor="ctr"/>
+            <a:lstStyle/>
+            <a:p>
+              <a:pPr algn="ctr"/>
+              <a:endParaRPr lang="en-US"/>
+            </a:p>
+          </p:txBody>
+        </p:sp>
+        <p:sp>
+          <p:nvSpPr>
+            <p:cNvPr id="6" name="Oval 5"/>
+            <p:cNvSpPr/>
+            <p:nvPr/>
+          </p:nvSpPr>
+          <p:spPr>
+            <a:xfrm>
+              <a:off x="4405076" y="1998429"/>
+              <a:ext cx="1609521" cy="483836"/>
+            </a:xfrm>
+            <a:prstGeom prst="ellipse">
+              <a:avLst/>
+            </a:prstGeom>
+            <a:gradFill>
+              <a:gsLst>
+                <a:gs pos="0">
+                  <a:schemeClr val="tx1"/>
+                </a:gs>
+                <a:gs pos="100000">
+                  <a:schemeClr val="accent1">
+                    <a:tint val="50000"/>
+                    <a:shade val="100000"/>
+                    <a:satMod val="350000"/>
+                  </a:schemeClr>
+                </a:gs>
+              </a:gsLst>
+              <a:lin ang="8220000" scaled="0"/>
+            </a:gradFill>
+          </p:spPr>
+          <p:style>
+            <a:lnRef idx="1">
+              <a:schemeClr val="accent1"/>
+            </a:lnRef>
+            <a:fillRef idx="3">
+              <a:schemeClr val="accent1"/>
+            </a:fillRef>
+            <a:effectRef idx="2">
+              <a:schemeClr val="accent1"/>
+            </a:effectRef>
+            <a:fontRef idx="minor">
+              <a:schemeClr val="lt1"/>
+            </a:fontRef>
+          </p:style>
+          <p:txBody>
+            <a:bodyPr rtlCol="0" anchor="ctr"/>
+            <a:lstStyle/>
+            <a:p>
+              <a:pPr algn="ctr"/>
+              <a:endParaRPr lang="en-US"/>
+            </a:p>
+          </p:txBody>
+        </p:sp>
+        <p:sp>
+          <p:nvSpPr>
+            <p:cNvPr id="7" name="Can 6"/>
+            <p:cNvSpPr/>
+            <p:nvPr/>
+          </p:nvSpPr>
+          <p:spPr>
+            <a:xfrm>
+              <a:off x="4051957" y="1816494"/>
+              <a:ext cx="308824" cy="1047550"/>
+            </a:xfrm>
+            <a:prstGeom prst="can">
+              <a:avLst/>
+            </a:prstGeom>
+            <a:gradFill>
+              <a:gsLst>
+                <a:gs pos="0">
+                  <a:schemeClr val="tx1"/>
+                </a:gs>
+                <a:gs pos="100000">
+                  <a:schemeClr val="accent1">
+                    <a:tint val="50000"/>
+                    <a:shade val="100000"/>
+                    <a:satMod val="350000"/>
+                  </a:schemeClr>
+                </a:gs>
+              </a:gsLst>
+              <a:lin ang="8220000" scaled="0"/>
+            </a:gradFill>
+          </p:spPr>
+          <p:style>
+            <a:lnRef idx="1">
+              <a:schemeClr val="accent1"/>
+            </a:lnRef>
+            <a:fillRef idx="3">
+              <a:schemeClr val="accent1"/>
+            </a:fillRef>
+            <a:effectRef idx="2">
+              <a:schemeClr val="accent1"/>
+            </a:effectRef>
+            <a:fontRef idx="minor">
+              <a:schemeClr val="lt1"/>
+            </a:fontRef>
+          </p:style>
+          <p:txBody>
+            <a:bodyPr rtlCol="0" anchor="ctr"/>
+            <a:lstStyle/>
+            <a:p>
+              <a:pPr algn="ctr"/>
+              <a:endParaRPr lang="en-US"/>
+            </a:p>
+          </p:txBody>
+        </p:sp>
+      </p:grpSp>
+      <p:grpSp>
+        <p:nvGrpSpPr>
+          <p:cNvPr id="8" name="Group 7"/>
+          <p:cNvGrpSpPr/>
+          <p:nvPr/>
+        </p:nvGrpSpPr>
+        <p:grpSpPr>
+          <a:xfrm rot="1468197">
+            <a:off x="2224402" y="4401322"/>
+            <a:ext cx="3607698" cy="1047550"/>
+            <a:chOff x="2406899" y="1816494"/>
+            <a:chExt cx="3607698" cy="1047550"/>
+          </a:xfrm>
+        </p:grpSpPr>
+        <p:sp>
+          <p:nvSpPr>
+            <p:cNvPr id="9" name="Oval 8"/>
+            <p:cNvSpPr/>
+            <p:nvPr/>
+          </p:nvSpPr>
+          <p:spPr>
+            <a:xfrm>
+              <a:off x="2406899" y="1993711"/>
+              <a:ext cx="1609521" cy="531021"/>
+            </a:xfrm>
+            <a:prstGeom prst="ellipse">
+              <a:avLst/>
+            </a:prstGeom>
+            <a:gradFill>
+              <a:gsLst>
+                <a:gs pos="0">
+                  <a:schemeClr val="tx1"/>
+                </a:gs>
+                <a:gs pos="100000">
+                  <a:schemeClr val="accent1">
+                    <a:tint val="50000"/>
+                    <a:shade val="100000"/>
+                    <a:satMod val="350000"/>
+                  </a:schemeClr>
+                </a:gs>
+              </a:gsLst>
+              <a:lin ang="8220000" scaled="0"/>
+            </a:gradFill>
+          </p:spPr>
+          <p:style>
+            <a:lnRef idx="1">
+              <a:schemeClr val="accent1"/>
+            </a:lnRef>
+            <a:fillRef idx="3">
+              <a:schemeClr val="accent1"/>
+            </a:fillRef>
+            <a:effectRef idx="2">
+              <a:schemeClr val="accent1"/>
+            </a:effectRef>
+            <a:fontRef idx="minor">
+              <a:schemeClr val="lt1"/>
+            </a:fontRef>
+          </p:style>
+          <p:txBody>
+            <a:bodyPr rtlCol="0" anchor="ctr"/>
+            <a:lstStyle/>
+            <a:p>
+              <a:pPr algn="ctr"/>
+              <a:endParaRPr lang="en-US"/>
+            </a:p>
+          </p:txBody>
+        </p:sp>
+        <p:sp>
+          <p:nvSpPr>
+            <p:cNvPr id="10" name="Oval 9"/>
+            <p:cNvSpPr/>
+            <p:nvPr/>
+          </p:nvSpPr>
+          <p:spPr>
+            <a:xfrm>
+              <a:off x="4405076" y="1998429"/>
+              <a:ext cx="1609521" cy="483836"/>
+            </a:xfrm>
+            <a:prstGeom prst="ellipse">
+              <a:avLst/>
+            </a:prstGeom>
+            <a:gradFill>
+              <a:gsLst>
+                <a:gs pos="0">
+                  <a:schemeClr val="tx1"/>
+                </a:gs>
+                <a:gs pos="100000">
+                  <a:schemeClr val="accent1">
+                    <a:tint val="50000"/>
+                    <a:shade val="100000"/>
+                    <a:satMod val="350000"/>
+                  </a:schemeClr>
+                </a:gs>
+              </a:gsLst>
+              <a:lin ang="8220000" scaled="0"/>
+            </a:gradFill>
+          </p:spPr>
+          <p:style>
+            <a:lnRef idx="1">
+              <a:schemeClr val="accent1"/>
+            </a:lnRef>
+            <a:fillRef idx="3">
+              <a:schemeClr val="accent1"/>
+            </a:fillRef>
+            <a:effectRef idx="2">
+              <a:schemeClr val="accent1"/>
+            </a:effectRef>
+            <a:fontRef idx="minor">
+              <a:schemeClr val="lt1"/>
+            </a:fontRef>
+          </p:style>
+          <p:txBody>
+            <a:bodyPr rtlCol="0" anchor="ctr"/>
+            <a:lstStyle/>
+            <a:p>
+              <a:pPr algn="ctr"/>
+              <a:endParaRPr lang="en-US"/>
+            </a:p>
+          </p:txBody>
+        </p:sp>
+        <p:sp>
+          <p:nvSpPr>
+            <p:cNvPr id="11" name="Can 10"/>
+            <p:cNvSpPr/>
+            <p:nvPr/>
+          </p:nvSpPr>
+          <p:spPr>
+            <a:xfrm>
+              <a:off x="4051957" y="1816494"/>
+              <a:ext cx="308824" cy="1047550"/>
+            </a:xfrm>
+            <a:prstGeom prst="can">
+              <a:avLst/>
+            </a:prstGeom>
+            <a:gradFill>
+              <a:gsLst>
+                <a:gs pos="0">
+                  <a:schemeClr val="tx1"/>
+                </a:gs>
+                <a:gs pos="100000">
+                  <a:schemeClr val="accent1">
+                    <a:tint val="50000"/>
+                    <a:shade val="100000"/>
+                    <a:satMod val="350000"/>
+                  </a:schemeClr>
+                </a:gs>
+              </a:gsLst>
+              <a:lin ang="8220000" scaled="0"/>
+            </a:gradFill>
+          </p:spPr>
+          <p:style>
+            <a:lnRef idx="1">
+              <a:schemeClr val="accent1"/>
+            </a:lnRef>
+            <a:fillRef idx="3">
+              <a:schemeClr val="accent1"/>
+            </a:fillRef>
+            <a:effectRef idx="2">
+              <a:schemeClr val="accent1"/>
+            </a:effectRef>
+            <a:fontRef idx="minor">
+              <a:schemeClr val="lt1"/>
+            </a:fontRef>
+          </p:style>
+          <p:txBody>
+            <a:bodyPr rtlCol="0" anchor="ctr"/>
+            <a:lstStyle/>
+            <a:p>
+              <a:pPr algn="ctr"/>
+              <a:endParaRPr lang="en-US"/>
+            </a:p>
+          </p:txBody>
+        </p:sp>
+      </p:grpSp>
+    </p:spTree>
+    <p:extLst>
+      <p:ext uri="{BB962C8B-B14F-4D97-AF65-F5344CB8AC3E}">
+        <p14:creationId xmlns:p14="http://schemas.microsoft.com/office/powerpoint/2010/main" val="3320575593"/>
       </p:ext>
     </p:extLst>
   </p:cSld>
